--- a/Images/makeImage.pptx
+++ b/Images/makeImage.pptx
@@ -6,6 +6,7 @@
   </p:sldMasterIdLst>
   <p:sldIdLst>
     <p:sldId id="256" r:id="rId2"/>
+    <p:sldId id="257" r:id="rId3"/>
   </p:sldIdLst>
   <p:sldSz cx="12192000" cy="6858000"/>
   <p:notesSz cx="6858000" cy="9144000"/>
@@ -104,6 +105,11 @@
       </a:defRPr>
     </a:lvl9pPr>
   </p:defaultTextStyle>
+  <p:extLst>
+    <p:ext uri="{EFAFB233-063F-42B5-8137-9DF3F51BA10A}">
+      <p15:sldGuideLst xmlns:p15="http://schemas.microsoft.com/office/powerpoint/2012/main"/>
+    </p:ext>
+  </p:extLst>
 </p:presentation>
 </file>
 
@@ -254,7 +260,7 @@
           <a:p>
             <a:fld id="{302674AA-E1D8-AA41-B7DC-04F53CA8B871}" type="datetimeFigureOut">
               <a:rPr kumimoji="1" lang="ja-JP" altLang="en-US" smtClean="0"/>
-              <a:t>2018/9/21</a:t>
+              <a:t>2018/10/28</a:t>
             </a:fld>
             <a:endParaRPr kumimoji="1" lang="ja-JP" altLang="en-US"/>
           </a:p>
@@ -484,7 +490,7 @@
           <a:p>
             <a:fld id="{302674AA-E1D8-AA41-B7DC-04F53CA8B871}" type="datetimeFigureOut">
               <a:rPr kumimoji="1" lang="ja-JP" altLang="en-US" smtClean="0"/>
-              <a:t>2018/9/21</a:t>
+              <a:t>2018/10/28</a:t>
             </a:fld>
             <a:endParaRPr kumimoji="1" lang="ja-JP" altLang="en-US"/>
           </a:p>
@@ -724,7 +730,7 @@
           <a:p>
             <a:fld id="{302674AA-E1D8-AA41-B7DC-04F53CA8B871}" type="datetimeFigureOut">
               <a:rPr kumimoji="1" lang="ja-JP" altLang="en-US" smtClean="0"/>
-              <a:t>2018/9/21</a:t>
+              <a:t>2018/10/28</a:t>
             </a:fld>
             <a:endParaRPr kumimoji="1" lang="ja-JP" altLang="en-US"/>
           </a:p>
@@ -954,7 +960,7 @@
           <a:p>
             <a:fld id="{302674AA-E1D8-AA41-B7DC-04F53CA8B871}" type="datetimeFigureOut">
               <a:rPr kumimoji="1" lang="ja-JP" altLang="en-US" smtClean="0"/>
-              <a:t>2018/9/21</a:t>
+              <a:t>2018/10/28</a:t>
             </a:fld>
             <a:endParaRPr kumimoji="1" lang="ja-JP" altLang="en-US"/>
           </a:p>
@@ -1229,7 +1235,7 @@
           <a:p>
             <a:fld id="{302674AA-E1D8-AA41-B7DC-04F53CA8B871}" type="datetimeFigureOut">
               <a:rPr kumimoji="1" lang="ja-JP" altLang="en-US" smtClean="0"/>
-              <a:t>2018/9/21</a:t>
+              <a:t>2018/10/28</a:t>
             </a:fld>
             <a:endParaRPr kumimoji="1" lang="ja-JP" altLang="en-US"/>
           </a:p>
@@ -1558,7 +1564,7 @@
           <a:p>
             <a:fld id="{302674AA-E1D8-AA41-B7DC-04F53CA8B871}" type="datetimeFigureOut">
               <a:rPr kumimoji="1" lang="ja-JP" altLang="en-US" smtClean="0"/>
-              <a:t>2018/9/21</a:t>
+              <a:t>2018/10/28</a:t>
             </a:fld>
             <a:endParaRPr kumimoji="1" lang="ja-JP" altLang="en-US"/>
           </a:p>
@@ -2034,7 +2040,7 @@
           <a:p>
             <a:fld id="{302674AA-E1D8-AA41-B7DC-04F53CA8B871}" type="datetimeFigureOut">
               <a:rPr kumimoji="1" lang="ja-JP" altLang="en-US" smtClean="0"/>
-              <a:t>2018/9/21</a:t>
+              <a:t>2018/10/28</a:t>
             </a:fld>
             <a:endParaRPr kumimoji="1" lang="ja-JP" altLang="en-US"/>
           </a:p>
@@ -2175,7 +2181,7 @@
           <a:p>
             <a:fld id="{302674AA-E1D8-AA41-B7DC-04F53CA8B871}" type="datetimeFigureOut">
               <a:rPr kumimoji="1" lang="ja-JP" altLang="en-US" smtClean="0"/>
-              <a:t>2018/9/21</a:t>
+              <a:t>2018/10/28</a:t>
             </a:fld>
             <a:endParaRPr kumimoji="1" lang="ja-JP" altLang="en-US"/>
           </a:p>
@@ -2288,7 +2294,7 @@
           <a:p>
             <a:fld id="{302674AA-E1D8-AA41-B7DC-04F53CA8B871}" type="datetimeFigureOut">
               <a:rPr kumimoji="1" lang="ja-JP" altLang="en-US" smtClean="0"/>
-              <a:t>2018/9/21</a:t>
+              <a:t>2018/10/28</a:t>
             </a:fld>
             <a:endParaRPr kumimoji="1" lang="ja-JP" altLang="en-US"/>
           </a:p>
@@ -2631,7 +2637,7 @@
           <a:p>
             <a:fld id="{302674AA-E1D8-AA41-B7DC-04F53CA8B871}" type="datetimeFigureOut">
               <a:rPr kumimoji="1" lang="ja-JP" altLang="en-US" smtClean="0"/>
-              <a:t>2018/9/21</a:t>
+              <a:t>2018/10/28</a:t>
             </a:fld>
             <a:endParaRPr kumimoji="1" lang="ja-JP" altLang="en-US"/>
           </a:p>
@@ -2919,7 +2925,7 @@
           <a:p>
             <a:fld id="{302674AA-E1D8-AA41-B7DC-04F53CA8B871}" type="datetimeFigureOut">
               <a:rPr kumimoji="1" lang="ja-JP" altLang="en-US" smtClean="0"/>
-              <a:t>2018/9/21</a:t>
+              <a:t>2018/10/28</a:t>
             </a:fld>
             <a:endParaRPr kumimoji="1" lang="ja-JP" altLang="en-US"/>
           </a:p>
@@ -3192,7 +3198,7 @@
           <a:p>
             <a:fld id="{302674AA-E1D8-AA41-B7DC-04F53CA8B871}" type="datetimeFigureOut">
               <a:rPr kumimoji="1" lang="ja-JP" altLang="en-US" smtClean="0"/>
-              <a:t>2018/9/21</a:t>
+              <a:t>2018/10/28</a:t>
             </a:fld>
             <a:endParaRPr kumimoji="1" lang="ja-JP" altLang="en-US"/>
           </a:p>
@@ -4051,6 +4057,183 @@
 </p:sld>
 </file>
 
+<file path=ppt/slides/slide2.xml><?xml version="1.0" encoding="utf-8"?>
+<p:sld xmlns:a="http://schemas.openxmlformats.org/drawingml/2006/main" xmlns:r="http://schemas.openxmlformats.org/officeDocument/2006/relationships" xmlns:p="http://schemas.openxmlformats.org/presentationml/2006/main">
+  <p:cSld>
+    <p:spTree>
+      <p:nvGrpSpPr>
+        <p:cNvPr id="1" name=""/>
+        <p:cNvGrpSpPr/>
+        <p:nvPr/>
+      </p:nvGrpSpPr>
+      <p:grpSpPr>
+        <a:xfrm>
+          <a:off x="0" y="0"/>
+          <a:ext cx="0" cy="0"/>
+          <a:chOff x="0" y="0"/>
+          <a:chExt cx="0" cy="0"/>
+        </a:xfrm>
+      </p:grpSpPr>
+      <p:sp>
+        <p:nvSpPr>
+          <p:cNvPr id="4" name="正方形/長方形 3">
+            <a:extLst>
+              <a:ext uri="{FF2B5EF4-FFF2-40B4-BE49-F238E27FC236}">
+                <a16:creationId xmlns:a16="http://schemas.microsoft.com/office/drawing/2014/main" id="{F2062B93-2789-424D-93DC-2EBF3F7F6EF9}"/>
+              </a:ext>
+            </a:extLst>
+          </p:cNvPr>
+          <p:cNvSpPr/>
+          <p:nvPr/>
+        </p:nvSpPr>
+        <p:spPr>
+          <a:xfrm>
+            <a:off x="1705232" y="271849"/>
+            <a:ext cx="6376087" cy="6376086"/>
+          </a:xfrm>
+          <a:prstGeom prst="rect">
+            <a:avLst/>
+          </a:prstGeom>
+          <a:gradFill flip="none" rotWithShape="1">
+            <a:gsLst>
+              <a:gs pos="12000">
+                <a:srgbClr val="BC74F6">
+                  <a:lumMod val="100000"/>
+                </a:srgbClr>
+              </a:gs>
+              <a:gs pos="100000">
+                <a:srgbClr val="EB81D6"/>
+              </a:gs>
+            </a:gsLst>
+            <a:lin ang="17400000" scaled="0"/>
+            <a:tileRect/>
+          </a:gradFill>
+          <a:ln>
+            <a:noFill/>
+          </a:ln>
+        </p:spPr>
+        <p:style>
+          <a:lnRef idx="2">
+            <a:schemeClr val="accent1">
+              <a:shade val="50000"/>
+            </a:schemeClr>
+          </a:lnRef>
+          <a:fillRef idx="1">
+            <a:schemeClr val="accent1"/>
+          </a:fillRef>
+          <a:effectRef idx="0">
+            <a:schemeClr val="accent1"/>
+          </a:effectRef>
+          <a:fontRef idx="minor">
+            <a:schemeClr val="lt1"/>
+          </a:fontRef>
+        </p:style>
+        <p:txBody>
+          <a:bodyPr rtlCol="0" anchor="ctr"/>
+          <a:lstStyle/>
+          <a:p>
+            <a:pPr algn="ctr"/>
+            <a:endParaRPr kumimoji="1" lang="ja-JP" altLang="en-US"/>
+          </a:p>
+        </p:txBody>
+      </p:sp>
+      <p:sp>
+        <p:nvSpPr>
+          <p:cNvPr id="5" name="角丸四角形 4">
+            <a:extLst>
+              <a:ext uri="{FF2B5EF4-FFF2-40B4-BE49-F238E27FC236}">
+                <a16:creationId xmlns:a16="http://schemas.microsoft.com/office/drawing/2014/main" id="{2297949F-638A-7B4C-BB5A-6F50BC6BFE04}"/>
+              </a:ext>
+            </a:extLst>
+          </p:cNvPr>
+          <p:cNvSpPr/>
+          <p:nvPr/>
+        </p:nvSpPr>
+        <p:spPr>
+          <a:xfrm rot="20987910">
+            <a:off x="2762367" y="5106829"/>
+            <a:ext cx="4264662" cy="138068"/>
+          </a:xfrm>
+          <a:prstGeom prst="roundRect">
+            <a:avLst>
+              <a:gd name="adj" fmla="val 50000"/>
+            </a:avLst>
+          </a:prstGeom>
+          <a:solidFill>
+            <a:schemeClr val="bg1"/>
+          </a:solidFill>
+          <a:ln>
+            <a:noFill/>
+          </a:ln>
+        </p:spPr>
+        <p:style>
+          <a:lnRef idx="2">
+            <a:schemeClr val="accent1">
+              <a:shade val="50000"/>
+            </a:schemeClr>
+          </a:lnRef>
+          <a:fillRef idx="1">
+            <a:schemeClr val="accent1"/>
+          </a:fillRef>
+          <a:effectRef idx="0">
+            <a:schemeClr val="accent1"/>
+          </a:effectRef>
+          <a:fontRef idx="minor">
+            <a:schemeClr val="lt1"/>
+          </a:fontRef>
+        </p:style>
+        <p:txBody>
+          <a:bodyPr rtlCol="0" anchor="ctr"/>
+          <a:lstStyle/>
+          <a:p>
+            <a:pPr algn="ctr"/>
+            <a:endParaRPr kumimoji="1" lang="ja-JP" altLang="en-US"/>
+          </a:p>
+        </p:txBody>
+      </p:sp>
+      <p:pic>
+        <p:nvPicPr>
+          <p:cNvPr id="7" name="図 6">
+            <a:extLst>
+              <a:ext uri="{FF2B5EF4-FFF2-40B4-BE49-F238E27FC236}">
+                <a16:creationId xmlns:a16="http://schemas.microsoft.com/office/drawing/2014/main" id="{FE7EA261-19F5-2C4C-A7B2-3C22F374EA50}"/>
+              </a:ext>
+            </a:extLst>
+          </p:cNvPr>
+          <p:cNvPicPr>
+            <a:picLocks noChangeAspect="1"/>
+          </p:cNvPicPr>
+          <p:nvPr/>
+        </p:nvPicPr>
+        <p:blipFill>
+          <a:blip r:embed="rId2"/>
+          <a:stretch>
+            <a:fillRect/>
+          </a:stretch>
+        </p:blipFill>
+        <p:spPr>
+          <a:xfrm rot="20339436">
+            <a:off x="2197709" y="1688122"/>
+            <a:ext cx="1951893" cy="1951893"/>
+          </a:xfrm>
+          <a:prstGeom prst="rect">
+            <a:avLst/>
+          </a:prstGeom>
+        </p:spPr>
+      </p:pic>
+    </p:spTree>
+    <p:extLst>
+      <p:ext uri="{BB962C8B-B14F-4D97-AF65-F5344CB8AC3E}">
+        <p14:creationId xmlns:p14="http://schemas.microsoft.com/office/powerpoint/2010/main" val="1729017547"/>
+      </p:ext>
+    </p:extLst>
+  </p:cSld>
+  <p:clrMapOvr>
+    <a:masterClrMapping/>
+  </p:clrMapOvr>
+</p:sld>
+</file>
+
 <file path=ppt/theme/theme1.xml><?xml version="1.0" encoding="utf-8"?>
 <a:theme xmlns:a="http://schemas.openxmlformats.org/drawingml/2006/main" name="Office テーマ">
   <a:themeElements>
